--- a/R O I.pptx
+++ b/R O I.pptx
@@ -5,19 +5,20 @@
     <p:sldMasterId id="2147483648" r:id="rId1"/>
   </p:sldMasterIdLst>
   <p:sldIdLst>
-    <p:sldId id="256" r:id="rId2"/>
-    <p:sldId id="257" r:id="rId3"/>
-    <p:sldId id="258" r:id="rId4"/>
-    <p:sldId id="259" r:id="rId5"/>
-    <p:sldId id="260" r:id="rId6"/>
-    <p:sldId id="261" r:id="rId7"/>
-    <p:sldId id="262" r:id="rId8"/>
-    <p:sldId id="263" r:id="rId9"/>
-    <p:sldId id="267" r:id="rId10"/>
-    <p:sldId id="264" r:id="rId11"/>
-    <p:sldId id="265" r:id="rId12"/>
-    <p:sldId id="268" r:id="rId13"/>
-    <p:sldId id="266" r:id="rId14"/>
+    <p:sldId id="269" r:id="rId2"/>
+    <p:sldId id="256" r:id="rId3"/>
+    <p:sldId id="257" r:id="rId4"/>
+    <p:sldId id="258" r:id="rId5"/>
+    <p:sldId id="259" r:id="rId6"/>
+    <p:sldId id="260" r:id="rId7"/>
+    <p:sldId id="261" r:id="rId8"/>
+    <p:sldId id="262" r:id="rId9"/>
+    <p:sldId id="263" r:id="rId10"/>
+    <p:sldId id="267" r:id="rId11"/>
+    <p:sldId id="264" r:id="rId12"/>
+    <p:sldId id="265" r:id="rId13"/>
+    <p:sldId id="268" r:id="rId14"/>
+    <p:sldId id="266" r:id="rId15"/>
   </p:sldIdLst>
   <p:sldSz cx="12192000" cy="6858000"/>
   <p:notesSz cx="6858000" cy="9144000"/>
@@ -4400,7 +4401,7 @@
           <a:p>
             <a:fld id="{48A87A34-81AB-432B-8DAE-1953F412C126}" type="datetimeFigureOut">
               <a:rPr lang="en-US" dirty="0"/>
-              <a:t>11/9/2022</a:t>
+              <a:t>11/23/2022</a:t>
             </a:fld>
             <a:endParaRPr lang="en-US" dirty="0"/>
           </a:p>
@@ -4662,7 +4663,7 @@
           <a:p>
             <a:fld id="{48A87A34-81AB-432B-8DAE-1953F412C126}" type="datetimeFigureOut">
               <a:rPr lang="en-US" dirty="0"/>
-              <a:t>11/9/2022</a:t>
+              <a:t>11/23/2022</a:t>
             </a:fld>
             <a:endParaRPr lang="en-US" dirty="0"/>
           </a:p>
@@ -4853,7 +4854,7 @@
           <a:p>
             <a:fld id="{48A87A34-81AB-432B-8DAE-1953F412C126}" type="datetimeFigureOut">
               <a:rPr lang="en-US" dirty="0"/>
-              <a:t>11/9/2022</a:t>
+              <a:t>11/23/2022</a:t>
             </a:fld>
             <a:endParaRPr lang="en-US" dirty="0"/>
           </a:p>
@@ -5111,7 +5112,7 @@
           <a:p>
             <a:fld id="{48A87A34-81AB-432B-8DAE-1953F412C126}" type="datetimeFigureOut">
               <a:rPr lang="en-US" dirty="0"/>
-              <a:t>11/9/2022</a:t>
+              <a:t>11/23/2022</a:t>
             </a:fld>
             <a:endParaRPr lang="en-US" dirty="0"/>
           </a:p>
@@ -5540,7 +5541,7 @@
           <a:p>
             <a:fld id="{48A87A34-81AB-432B-8DAE-1953F412C126}" type="datetimeFigureOut">
               <a:rPr lang="en-US" dirty="0"/>
-              <a:t>11/9/2022</a:t>
+              <a:t>11/23/2022</a:t>
             </a:fld>
             <a:endParaRPr lang="en-US" dirty="0"/>
           </a:p>
@@ -6081,7 +6082,7 @@
           <a:p>
             <a:fld id="{48A87A34-81AB-432B-8DAE-1953F412C126}" type="datetimeFigureOut">
               <a:rPr lang="en-US" dirty="0"/>
-              <a:t>11/9/2022</a:t>
+              <a:t>11/23/2022</a:t>
             </a:fld>
             <a:endParaRPr lang="en-US" dirty="0"/>
           </a:p>
@@ -6796,7 +6797,7 @@
           <a:p>
             <a:fld id="{48A87A34-81AB-432B-8DAE-1953F412C126}" type="datetimeFigureOut">
               <a:rPr lang="en-US" dirty="0"/>
-              <a:t>11/9/2022</a:t>
+              <a:t>11/23/2022</a:t>
             </a:fld>
             <a:endParaRPr lang="en-US" dirty="0"/>
           </a:p>
@@ -6961,7 +6962,7 @@
           <a:p>
             <a:fld id="{48A87A34-81AB-432B-8DAE-1953F412C126}" type="datetimeFigureOut">
               <a:rPr lang="en-US" dirty="0"/>
-              <a:t>11/9/2022</a:t>
+              <a:t>11/23/2022</a:t>
             </a:fld>
             <a:endParaRPr lang="en-US" dirty="0"/>
           </a:p>
@@ -7136,7 +7137,7 @@
           <a:p>
             <a:fld id="{48A87A34-81AB-432B-8DAE-1953F412C126}" type="datetimeFigureOut">
               <a:rPr lang="en-US" dirty="0"/>
-              <a:t>11/9/2022</a:t>
+              <a:t>11/23/2022</a:t>
             </a:fld>
             <a:endParaRPr lang="en-US" dirty="0"/>
           </a:p>
@@ -7301,7 +7302,7 @@
           <a:p>
             <a:fld id="{48A87A34-81AB-432B-8DAE-1953F412C126}" type="datetimeFigureOut">
               <a:rPr lang="en-US" dirty="0"/>
-              <a:t>11/9/2022</a:t>
+              <a:t>11/23/2022</a:t>
             </a:fld>
             <a:endParaRPr lang="en-US" dirty="0"/>
           </a:p>
@@ -7546,7 +7547,7 @@
           <a:p>
             <a:fld id="{48A87A34-81AB-432B-8DAE-1953F412C126}" type="datetimeFigureOut">
               <a:rPr lang="en-US" dirty="0"/>
-              <a:t>11/9/2022</a:t>
+              <a:t>11/23/2022</a:t>
             </a:fld>
             <a:endParaRPr lang="en-US" dirty="0"/>
           </a:p>
@@ -7773,7 +7774,7 @@
           <a:p>
             <a:fld id="{48A87A34-81AB-432B-8DAE-1953F412C126}" type="datetimeFigureOut">
               <a:rPr lang="en-US" dirty="0"/>
-              <a:t>11/9/2022</a:t>
+              <a:t>11/23/2022</a:t>
             </a:fld>
             <a:endParaRPr lang="en-US" dirty="0"/>
           </a:p>
@@ -8149,7 +8150,7 @@
           <a:p>
             <a:fld id="{48A87A34-81AB-432B-8DAE-1953F412C126}" type="datetimeFigureOut">
               <a:rPr lang="en-US" dirty="0"/>
-              <a:t>11/9/2022</a:t>
+              <a:t>11/23/2022</a:t>
             </a:fld>
             <a:endParaRPr lang="en-US" dirty="0"/>
           </a:p>
@@ -8262,7 +8263,7 @@
           <a:p>
             <a:fld id="{48A87A34-81AB-432B-8DAE-1953F412C126}" type="datetimeFigureOut">
               <a:rPr lang="en-US" dirty="0"/>
-              <a:t>11/9/2022</a:t>
+              <a:t>11/23/2022</a:t>
             </a:fld>
             <a:endParaRPr lang="en-US" dirty="0"/>
           </a:p>
@@ -8352,7 +8353,7 @@
           <a:p>
             <a:fld id="{48A87A34-81AB-432B-8DAE-1953F412C126}" type="datetimeFigureOut">
               <a:rPr lang="en-US" dirty="0"/>
-              <a:t>11/9/2022</a:t>
+              <a:t>11/23/2022</a:t>
             </a:fld>
             <a:endParaRPr lang="en-US" dirty="0"/>
           </a:p>
@@ -8596,7 +8597,7 @@
           <a:p>
             <a:fld id="{48A87A34-81AB-432B-8DAE-1953F412C126}" type="datetimeFigureOut">
               <a:rPr lang="en-US" dirty="0"/>
-              <a:t>11/9/2022</a:t>
+              <a:t>11/23/2022</a:t>
             </a:fld>
             <a:endParaRPr lang="en-US" dirty="0"/>
           </a:p>
@@ -8871,7 +8872,7 @@
           <a:p>
             <a:fld id="{48A87A34-81AB-432B-8DAE-1953F412C126}" type="datetimeFigureOut">
               <a:rPr lang="en-US" dirty="0"/>
-              <a:t>11/9/2022</a:t>
+              <a:t>11/23/2022</a:t>
             </a:fld>
             <a:endParaRPr lang="en-US" dirty="0"/>
           </a:p>
@@ -11944,7 +11945,7 @@
             <a:fld id="{48A87A34-81AB-432B-8DAE-1953F412C126}" type="datetimeFigureOut">
               <a:rPr lang="en-US" dirty="0"/>
               <a:pPr/>
-              <a:t>11/9/2022</a:t>
+              <a:t>11/23/2022</a:t>
             </a:fld>
             <a:endParaRPr lang="en-US" dirty="0"/>
           </a:p>
@@ -12360,12 +12361,71 @@
           <a:chExt cx="0" cy="0"/>
         </a:xfrm>
       </p:grpSpPr>
+      <p:pic>
+        <p:nvPicPr>
+          <p:cNvPr id="5" name="Content Placeholder 4">
+            <a:extLst>
+              <a:ext uri="{FF2B5EF4-FFF2-40B4-BE49-F238E27FC236}">
+                <a16:creationId xmlns:a16="http://schemas.microsoft.com/office/drawing/2014/main" id="{3DCF5C55-9E0F-0362-FDBD-059FB483FE88}"/>
+              </a:ext>
+            </a:extLst>
+          </p:cNvPr>
+          <p:cNvPicPr>
+            <a:picLocks noGrp="1" noChangeAspect="1"/>
+          </p:cNvPicPr>
+          <p:nvPr>
+            <p:ph idx="1"/>
+          </p:nvPr>
+        </p:nvPicPr>
+        <p:blipFill>
+          <a:blip r:embed="rId2"/>
+          <a:stretch>
+            <a:fillRect/>
+          </a:stretch>
+        </p:blipFill>
+        <p:spPr>
+          <a:xfrm>
+            <a:off x="4046720" y="1486090"/>
+            <a:ext cx="3541712" cy="3541712"/>
+          </a:xfrm>
+        </p:spPr>
+      </p:pic>
+    </p:spTree>
+    <p:extLst>
+      <p:ext uri="{BB962C8B-B14F-4D97-AF65-F5344CB8AC3E}">
+        <p14:creationId xmlns:p14="http://schemas.microsoft.com/office/powerpoint/2010/main" val="3321653963"/>
+      </p:ext>
+    </p:extLst>
+  </p:cSld>
+  <p:clrMapOvr>
+    <a:masterClrMapping/>
+  </p:clrMapOvr>
+</p:sld>
+</file>
+
+<file path=ppt/slides/slide10.xml><?xml version="1.0" encoding="utf-8"?>
+<p:sld xmlns:a="http://schemas.openxmlformats.org/drawingml/2006/main" xmlns:r="http://schemas.openxmlformats.org/officeDocument/2006/relationships" xmlns:p="http://schemas.openxmlformats.org/presentationml/2006/main">
+  <p:cSld>
+    <p:spTree>
+      <p:nvGrpSpPr>
+        <p:cNvPr id="1" name=""/>
+        <p:cNvGrpSpPr/>
+        <p:nvPr/>
+      </p:nvGrpSpPr>
+      <p:grpSpPr>
+        <a:xfrm>
+          <a:off x="0" y="0"/>
+          <a:ext cx="0" cy="0"/>
+          <a:chOff x="0" y="0"/>
+          <a:chExt cx="0" cy="0"/>
+        </a:xfrm>
+      </p:grpSpPr>
       <p:sp>
         <p:nvSpPr>
           <p:cNvPr id="2" name="Title 1">
             <a:extLst>
               <a:ext uri="{FF2B5EF4-FFF2-40B4-BE49-F238E27FC236}">
-                <a16:creationId xmlns:a16="http://schemas.microsoft.com/office/drawing/2014/main" id="{EB669AA7-BBFC-16FC-D72E-DCAC2555A995}"/>
+                <a16:creationId xmlns:a16="http://schemas.microsoft.com/office/drawing/2014/main" id="{02096BD2-0F87-3D08-989A-311DF39208DE}"/>
               </a:ext>
             </a:extLst>
           </p:cNvPr>
@@ -12373,45 +12433,38 @@
             <a:spLocks noGrp="1"/>
           </p:cNvSpPr>
           <p:nvPr>
-            <p:ph type="ctrTitle"/>
+            <p:ph type="title"/>
           </p:nvPr>
         </p:nvSpPr>
-        <p:spPr/>
+        <p:spPr>
+          <a:xfrm>
+            <a:off x="1032355" y="2623487"/>
+            <a:ext cx="9905998" cy="1478570"/>
+          </a:xfrm>
+          <a:ln>
+            <a:noFill/>
+          </a:ln>
+        </p:spPr>
         <p:txBody>
           <a:bodyPr/>
           <a:lstStyle/>
           <a:p>
+            <a:pPr algn="ctr"/>
+            <a:r>
+              <a:rPr lang="en-IN" sz="4800" dirty="0">
+                <a:hlinkClick r:id="rId2" action="ppaction://hlinkpres?slideindex=1&amp;slidetitle=">
+                  <a:extLst>
+                    <a:ext uri="{A12FA001-AC4F-418D-AE19-62706E023703}">
+                      <ahyp:hlinkClr xmlns:ahyp="http://schemas.microsoft.com/office/drawing/2018/hyperlinkcolor" val="tx"/>
+                    </a:ext>
+                  </a:extLst>
+                </a:hlinkClick>
+              </a:rPr>
+              <a:t>Snaps</a:t>
+            </a:r>
             <a:r>
               <a:rPr lang="en-IN" dirty="0"/>
-              <a:t>R O I</a:t>
-            </a:r>
-          </a:p>
-        </p:txBody>
-      </p:sp>
-      <p:sp>
-        <p:nvSpPr>
-          <p:cNvPr id="3" name="Subtitle 2">
-            <a:extLst>
-              <a:ext uri="{FF2B5EF4-FFF2-40B4-BE49-F238E27FC236}">
-                <a16:creationId xmlns:a16="http://schemas.microsoft.com/office/drawing/2014/main" id="{029300C0-8EA0-1FAE-1F66-85F0C1FC7436}"/>
-              </a:ext>
-            </a:extLst>
-          </p:cNvPr>
-          <p:cNvSpPr>
-            <a:spLocks noGrp="1"/>
-          </p:cNvSpPr>
-          <p:nvPr>
-            <p:ph type="subTitle" idx="1"/>
-          </p:nvPr>
-        </p:nvSpPr>
-        <p:spPr/>
-        <p:txBody>
-          <a:bodyPr/>
-          <a:lstStyle/>
-          <a:p>
-            <a:r>
-              <a:rPr lang="en-IN" dirty="0"/>
-              <a:t>Face recognition based attendance and alert system</a:t>
+              <a:t> </a:t>
             </a:r>
           </a:p>
         </p:txBody>
@@ -12419,7 +12472,7 @@
     </p:spTree>
     <p:extLst>
       <p:ext uri="{BB962C8B-B14F-4D97-AF65-F5344CB8AC3E}">
-        <p14:creationId xmlns:p14="http://schemas.microsoft.com/office/powerpoint/2010/main" val="1333829019"/>
+        <p14:creationId xmlns:p14="http://schemas.microsoft.com/office/powerpoint/2010/main" val="2298038482"/>
       </p:ext>
     </p:extLst>
   </p:cSld>
@@ -12447,7 +12500,7 @@
                             </p:stCondLst>
                             <p:childTnLst>
                               <p:par>
-                                <p:cTn id="5" presetID="10" presetClass="entr" presetSubtype="0" fill="hold" grpId="0" nodeType="clickEffect">
+                                <p:cTn id="5" presetID="16" presetClass="entr" presetSubtype="37" fill="hold" grpId="0" nodeType="clickEffect">
                                   <p:stCondLst>
                                     <p:cond delay="0"/>
                                   </p:stCondLst>
@@ -12470,54 +12523,11 @@
                                         <p:strVal val="visible"/>
                                       </p:to>
                                     </p:set>
-                                    <p:animEffect transition="in" filter="fade">
+                                    <p:animEffect transition="in" filter="barn(outVertical)">
                                       <p:cBhvr>
-                                        <p:cTn id="7" dur="1000"/>
+                                        <p:cTn id="7" dur="2000"/>
                                         <p:tgtEl>
                                           <p:spTgt spid="2"/>
-                                        </p:tgtEl>
-                                      </p:cBhvr>
-                                    </p:animEffect>
-                                  </p:childTnLst>
-                                </p:cTn>
-                              </p:par>
-                              <p:par>
-                                <p:cTn id="8" presetID="10" presetClass="entr" presetSubtype="0" fill="hold" grpId="0" nodeType="withEffect">
-                                  <p:stCondLst>
-                                    <p:cond delay="0"/>
-                                  </p:stCondLst>
-                                  <p:childTnLst>
-                                    <p:set>
-                                      <p:cBhvr>
-                                        <p:cTn id="9" dur="1" fill="hold">
-                                          <p:stCondLst>
-                                            <p:cond delay="0"/>
-                                          </p:stCondLst>
-                                        </p:cTn>
-                                        <p:tgtEl>
-                                          <p:spTgt spid="3">
-                                            <p:txEl>
-                                              <p:pRg st="0" end="0"/>
-                                            </p:txEl>
-                                          </p:spTgt>
-                                        </p:tgtEl>
-                                        <p:attrNameLst>
-                                          <p:attrName>style.visibility</p:attrName>
-                                        </p:attrNameLst>
-                                      </p:cBhvr>
-                                      <p:to>
-                                        <p:strVal val="visible"/>
-                                      </p:to>
-                                    </p:set>
-                                    <p:animEffect transition="in" filter="fade">
-                                      <p:cBhvr>
-                                        <p:cTn id="10" dur="1000"/>
-                                        <p:tgtEl>
-                                          <p:spTgt spid="3">
-                                            <p:txEl>
-                                              <p:pRg st="0" end="0"/>
-                                            </p:txEl>
-                                          </p:spTgt>
                                         </p:tgtEl>
                                       </p:cBhvr>
                                     </p:animEffect>
@@ -12553,13 +12563,12 @@
     </p:tnLst>
     <p:bldLst>
       <p:bldP spid="2" grpId="0"/>
-      <p:bldP spid="3" grpId="0" build="p"/>
     </p:bldLst>
   </p:timing>
 </p:sld>
 </file>
 
-<file path=ppt/slides/slide10.xml><?xml version="1.0" encoding="utf-8"?>
+<file path=ppt/slides/slide11.xml><?xml version="1.0" encoding="utf-8"?>
 <p:sld xmlns:a="http://schemas.openxmlformats.org/drawingml/2006/main" xmlns:r="http://schemas.openxmlformats.org/officeDocument/2006/relationships" xmlns:p="http://schemas.openxmlformats.org/presentationml/2006/main">
   <p:cSld>
     <p:spTree>
@@ -13032,7 +13041,7 @@
 </p:sld>
 </file>
 
-<file path=ppt/slides/slide11.xml><?xml version="1.0" encoding="utf-8"?>
+<file path=ppt/slides/slide12.xml><?xml version="1.0" encoding="utf-8"?>
 <p:sld xmlns:a="http://schemas.openxmlformats.org/drawingml/2006/main" xmlns:r="http://schemas.openxmlformats.org/officeDocument/2006/relationships" xmlns:p="http://schemas.openxmlformats.org/presentationml/2006/main">
   <p:cSld>
     <p:spTree>
@@ -13792,7 +13801,7 @@
 </p:sld>
 </file>
 
-<file path=ppt/slides/slide12.xml><?xml version="1.0" encoding="utf-8"?>
+<file path=ppt/slides/slide13.xml><?xml version="1.0" encoding="utf-8"?>
 <p:sld xmlns:a="http://schemas.openxmlformats.org/drawingml/2006/main" xmlns:r="http://schemas.openxmlformats.org/officeDocument/2006/relationships" xmlns:p="http://schemas.openxmlformats.org/presentationml/2006/main">
   <p:cSld>
     <p:spTree>
@@ -13962,7 +13971,7 @@
 </p:sld>
 </file>
 
-<file path=ppt/slides/slide13.xml><?xml version="1.0" encoding="utf-8"?>
+<file path=ppt/slides/slide14.xml><?xml version="1.0" encoding="utf-8"?>
 <p:sld xmlns:a="http://schemas.openxmlformats.org/drawingml/2006/main" xmlns:r="http://schemas.openxmlformats.org/officeDocument/2006/relationships" xmlns:p="http://schemas.openxmlformats.org/presentationml/2006/main">
   <p:cSld>
     <p:spTree>
@@ -14180,6 +14189,222 @@
 </file>
 
 <file path=ppt/slides/slide2.xml><?xml version="1.0" encoding="utf-8"?>
+<p:sld xmlns:a="http://schemas.openxmlformats.org/drawingml/2006/main" xmlns:r="http://schemas.openxmlformats.org/officeDocument/2006/relationships" xmlns:p="http://schemas.openxmlformats.org/presentationml/2006/main">
+  <p:cSld>
+    <p:spTree>
+      <p:nvGrpSpPr>
+        <p:cNvPr id="1" name=""/>
+        <p:cNvGrpSpPr/>
+        <p:nvPr/>
+      </p:nvGrpSpPr>
+      <p:grpSpPr>
+        <a:xfrm>
+          <a:off x="0" y="0"/>
+          <a:ext cx="0" cy="0"/>
+          <a:chOff x="0" y="0"/>
+          <a:chExt cx="0" cy="0"/>
+        </a:xfrm>
+      </p:grpSpPr>
+      <p:sp>
+        <p:nvSpPr>
+          <p:cNvPr id="2" name="Title 1">
+            <a:extLst>
+              <a:ext uri="{FF2B5EF4-FFF2-40B4-BE49-F238E27FC236}">
+                <a16:creationId xmlns:a16="http://schemas.microsoft.com/office/drawing/2014/main" id="{EB669AA7-BBFC-16FC-D72E-DCAC2555A995}"/>
+              </a:ext>
+            </a:extLst>
+          </p:cNvPr>
+          <p:cNvSpPr>
+            <a:spLocks noGrp="1"/>
+          </p:cNvSpPr>
+          <p:nvPr>
+            <p:ph type="ctrTitle"/>
+          </p:nvPr>
+        </p:nvSpPr>
+        <p:spPr/>
+        <p:txBody>
+          <a:bodyPr/>
+          <a:lstStyle/>
+          <a:p>
+            <a:r>
+              <a:rPr lang="en-IN" dirty="0"/>
+              <a:t>R O I</a:t>
+            </a:r>
+          </a:p>
+        </p:txBody>
+      </p:sp>
+      <p:sp>
+        <p:nvSpPr>
+          <p:cNvPr id="3" name="Subtitle 2">
+            <a:extLst>
+              <a:ext uri="{FF2B5EF4-FFF2-40B4-BE49-F238E27FC236}">
+                <a16:creationId xmlns:a16="http://schemas.microsoft.com/office/drawing/2014/main" id="{029300C0-8EA0-1FAE-1F66-85F0C1FC7436}"/>
+              </a:ext>
+            </a:extLst>
+          </p:cNvPr>
+          <p:cNvSpPr>
+            <a:spLocks noGrp="1"/>
+          </p:cNvSpPr>
+          <p:nvPr>
+            <p:ph type="subTitle" idx="1"/>
+          </p:nvPr>
+        </p:nvSpPr>
+        <p:spPr/>
+        <p:txBody>
+          <a:bodyPr/>
+          <a:lstStyle/>
+          <a:p>
+            <a:r>
+              <a:rPr lang="en-IN" dirty="0"/>
+              <a:t>Face recognition based attendance and alert system</a:t>
+            </a:r>
+          </a:p>
+        </p:txBody>
+      </p:sp>
+    </p:spTree>
+    <p:extLst>
+      <p:ext uri="{BB962C8B-B14F-4D97-AF65-F5344CB8AC3E}">
+        <p14:creationId xmlns:p14="http://schemas.microsoft.com/office/powerpoint/2010/main" val="1333829019"/>
+      </p:ext>
+    </p:extLst>
+  </p:cSld>
+  <p:clrMapOvr>
+    <a:masterClrMapping/>
+  </p:clrMapOvr>
+  <p:timing>
+    <p:tnLst>
+      <p:par>
+        <p:cTn id="1" dur="indefinite" restart="never" nodeType="tmRoot">
+          <p:childTnLst>
+            <p:seq concurrent="1" nextAc="seek">
+              <p:cTn id="2" dur="indefinite" nodeType="mainSeq">
+                <p:childTnLst>
+                  <p:par>
+                    <p:cTn id="3" fill="hold">
+                      <p:stCondLst>
+                        <p:cond delay="indefinite"/>
+                      </p:stCondLst>
+                      <p:childTnLst>
+                        <p:par>
+                          <p:cTn id="4" fill="hold">
+                            <p:stCondLst>
+                              <p:cond delay="0"/>
+                            </p:stCondLst>
+                            <p:childTnLst>
+                              <p:par>
+                                <p:cTn id="5" presetID="10" presetClass="entr" presetSubtype="0" fill="hold" grpId="0" nodeType="clickEffect">
+                                  <p:stCondLst>
+                                    <p:cond delay="0"/>
+                                  </p:stCondLst>
+                                  <p:childTnLst>
+                                    <p:set>
+                                      <p:cBhvr>
+                                        <p:cTn id="6" dur="1" fill="hold">
+                                          <p:stCondLst>
+                                            <p:cond delay="0"/>
+                                          </p:stCondLst>
+                                        </p:cTn>
+                                        <p:tgtEl>
+                                          <p:spTgt spid="2"/>
+                                        </p:tgtEl>
+                                        <p:attrNameLst>
+                                          <p:attrName>style.visibility</p:attrName>
+                                        </p:attrNameLst>
+                                      </p:cBhvr>
+                                      <p:to>
+                                        <p:strVal val="visible"/>
+                                      </p:to>
+                                    </p:set>
+                                    <p:animEffect transition="in" filter="fade">
+                                      <p:cBhvr>
+                                        <p:cTn id="7" dur="1000"/>
+                                        <p:tgtEl>
+                                          <p:spTgt spid="2"/>
+                                        </p:tgtEl>
+                                      </p:cBhvr>
+                                    </p:animEffect>
+                                  </p:childTnLst>
+                                </p:cTn>
+                              </p:par>
+                              <p:par>
+                                <p:cTn id="8" presetID="10" presetClass="entr" presetSubtype="0" fill="hold" grpId="0" nodeType="withEffect">
+                                  <p:stCondLst>
+                                    <p:cond delay="0"/>
+                                  </p:stCondLst>
+                                  <p:childTnLst>
+                                    <p:set>
+                                      <p:cBhvr>
+                                        <p:cTn id="9" dur="1" fill="hold">
+                                          <p:stCondLst>
+                                            <p:cond delay="0"/>
+                                          </p:stCondLst>
+                                        </p:cTn>
+                                        <p:tgtEl>
+                                          <p:spTgt spid="3">
+                                            <p:txEl>
+                                              <p:pRg st="0" end="0"/>
+                                            </p:txEl>
+                                          </p:spTgt>
+                                        </p:tgtEl>
+                                        <p:attrNameLst>
+                                          <p:attrName>style.visibility</p:attrName>
+                                        </p:attrNameLst>
+                                      </p:cBhvr>
+                                      <p:to>
+                                        <p:strVal val="visible"/>
+                                      </p:to>
+                                    </p:set>
+                                    <p:animEffect transition="in" filter="fade">
+                                      <p:cBhvr>
+                                        <p:cTn id="10" dur="1000"/>
+                                        <p:tgtEl>
+                                          <p:spTgt spid="3">
+                                            <p:txEl>
+                                              <p:pRg st="0" end="0"/>
+                                            </p:txEl>
+                                          </p:spTgt>
+                                        </p:tgtEl>
+                                      </p:cBhvr>
+                                    </p:animEffect>
+                                  </p:childTnLst>
+                                </p:cTn>
+                              </p:par>
+                            </p:childTnLst>
+                          </p:cTn>
+                        </p:par>
+                      </p:childTnLst>
+                    </p:cTn>
+                  </p:par>
+                </p:childTnLst>
+              </p:cTn>
+              <p:prevCondLst>
+                <p:cond evt="onPrev" delay="0">
+                  <p:tgtEl>
+                    <p:sldTgt/>
+                  </p:tgtEl>
+                </p:cond>
+              </p:prevCondLst>
+              <p:nextCondLst>
+                <p:cond evt="onNext" delay="0">
+                  <p:tgtEl>
+                    <p:sldTgt/>
+                  </p:tgtEl>
+                </p:cond>
+              </p:nextCondLst>
+            </p:seq>
+          </p:childTnLst>
+        </p:cTn>
+      </p:par>
+    </p:tnLst>
+    <p:bldLst>
+      <p:bldP spid="2" grpId="0"/>
+      <p:bldP spid="3" grpId="0" build="p"/>
+    </p:bldLst>
+  </p:timing>
+</p:sld>
+</file>
+
+<file path=ppt/slides/slide3.xml><?xml version="1.0" encoding="utf-8"?>
 <p:sld xmlns:a="http://schemas.openxmlformats.org/drawingml/2006/main" xmlns:r="http://schemas.openxmlformats.org/officeDocument/2006/relationships" xmlns:p="http://schemas.openxmlformats.org/presentationml/2006/main">
   <p:cSld>
     <p:spTree>
@@ -14569,7 +14794,7 @@
 </p:sld>
 </file>
 
-<file path=ppt/slides/slide3.xml><?xml version="1.0" encoding="utf-8"?>
+<file path=ppt/slides/slide4.xml><?xml version="1.0" encoding="utf-8"?>
 <p:sld xmlns:a="http://schemas.openxmlformats.org/drawingml/2006/main" xmlns:r="http://schemas.openxmlformats.org/officeDocument/2006/relationships" xmlns:p="http://schemas.openxmlformats.org/presentationml/2006/main">
   <p:cSld>
     <p:spTree>
@@ -14630,7 +14855,9 @@
             <p:ph idx="1"/>
           </p:nvPr>
         </p:nvSpPr>
-        <p:spPr/>
+        <p:spPr>
+          <a:noFill/>
+        </p:spPr>
         <p:txBody>
           <a:bodyPr/>
           <a:lstStyle/>
@@ -14648,8 +14875,20 @@
           </a:p>
           <a:p>
             <a:r>
+              <a:rPr lang="en-IN" dirty="0">
+                <a:hlinkClick r:id="rId2" action="ppaction://hlinkpres?slideindex=1&amp;slidetitle=">
+                  <a:extLst>
+                    <a:ext uri="{A12FA001-AC4F-418D-AE19-62706E023703}">
+                      <ahyp:hlinkClr xmlns:ahyp="http://schemas.microsoft.com/office/drawing/2018/hyperlinkcolor" val="tx"/>
+                    </a:ext>
+                  </a:extLst>
+                </a:hlinkClick>
+              </a:rPr>
+              <a:t>How</a:t>
+            </a:r>
+            <a:r>
               <a:rPr lang="en-IN" dirty="0"/>
-              <a:t>How ?</a:t>
+              <a:t> ?</a:t>
             </a:r>
           </a:p>
           <a:p>
@@ -14950,7 +15189,7 @@
 </p:sld>
 </file>
 
-<file path=ppt/slides/slide4.xml><?xml version="1.0" encoding="utf-8"?>
+<file path=ppt/slides/slide5.xml><?xml version="1.0" encoding="utf-8"?>
 <p:sld xmlns:a="http://schemas.openxmlformats.org/drawingml/2006/main" xmlns:r="http://schemas.openxmlformats.org/officeDocument/2006/relationships" xmlns:p="http://schemas.openxmlformats.org/presentationml/2006/main">
   <p:cSld>
     <p:spTree>
@@ -14989,9 +15228,18 @@
           <a:lstStyle/>
           <a:p>
             <a:r>
-              <a:rPr lang="en-IN" dirty="0"/>
+              <a:rPr lang="en-IN" dirty="0">
+                <a:hlinkClick r:id="rId2" action="ppaction://hlinkfile">
+                  <a:extLst>
+                    <a:ext uri="{A12FA001-AC4F-418D-AE19-62706E023703}">
+                      <ahyp:hlinkClr xmlns:ahyp="http://schemas.microsoft.com/office/drawing/2018/hyperlinkcolor" val="tx"/>
+                    </a:ext>
+                  </a:extLst>
+                </a:hlinkClick>
+              </a:rPr>
               <a:t>Existing system</a:t>
             </a:r>
+            <a:endParaRPr lang="en-IN" dirty="0"/>
           </a:p>
         </p:txBody>
       </p:sp>
@@ -15274,7 +15522,7 @@
 </p:sld>
 </file>
 
-<file path=ppt/slides/slide5.xml><?xml version="1.0" encoding="utf-8"?>
+<file path=ppt/slides/slide6.xml><?xml version="1.0" encoding="utf-8"?>
 <p:sld xmlns:a="http://schemas.openxmlformats.org/drawingml/2006/main" xmlns:r="http://schemas.openxmlformats.org/officeDocument/2006/relationships" xmlns:p="http://schemas.openxmlformats.org/presentationml/2006/main">
   <p:cSld>
     <p:spTree>
@@ -15601,7 +15849,7 @@
 </p:sld>
 </file>
 
-<file path=ppt/slides/slide6.xml><?xml version="1.0" encoding="utf-8"?>
+<file path=ppt/slides/slide7.xml><?xml version="1.0" encoding="utf-8"?>
 <p:sld xmlns:a="http://schemas.openxmlformats.org/drawingml/2006/main" xmlns:r="http://schemas.openxmlformats.org/officeDocument/2006/relationships" xmlns:p="http://schemas.openxmlformats.org/presentationml/2006/main">
   <p:cSld>
     <p:spTree>
@@ -15957,7 +16205,7 @@
 </p:sld>
 </file>
 
-<file path=ppt/slides/slide7.xml><?xml version="1.0" encoding="utf-8"?>
+<file path=ppt/slides/slide8.xml><?xml version="1.0" encoding="utf-8"?>
 <p:sld xmlns:a="http://schemas.openxmlformats.org/drawingml/2006/main" xmlns:r="http://schemas.openxmlformats.org/officeDocument/2006/relationships" xmlns:p="http://schemas.openxmlformats.org/presentationml/2006/main">
   <p:cSld>
     <p:spTree>
@@ -15990,56 +16238,33 @@
             <p:ph type="title"/>
           </p:nvPr>
         </p:nvSpPr>
-        <p:spPr/>
+        <p:spPr>
+          <a:xfrm>
+            <a:off x="1074301" y="2606709"/>
+            <a:ext cx="9905998" cy="1478570"/>
+          </a:xfrm>
+          <a:ln>
+            <a:noFill/>
+          </a:ln>
+        </p:spPr>
         <p:txBody>
           <a:bodyPr/>
           <a:lstStyle/>
           <a:p>
+            <a:pPr algn="ctr"/>
             <a:r>
-              <a:rPr lang="en-IN" dirty="0" err="1"/>
+              <a:rPr lang="en-IN" dirty="0" err="1">
+                <a:hlinkClick r:id="rId2" action="ppaction://hlinkpres?slideindex=1&amp;slidetitle=">
+                  <a:extLst>
+                    <a:ext uri="{A12FA001-AC4F-418D-AE19-62706E023703}">
+                      <ahyp:hlinkClr xmlns:ahyp="http://schemas.microsoft.com/office/drawing/2018/hyperlinkcolor" val="tx"/>
+                    </a:ext>
+                  </a:extLst>
+                </a:hlinkClick>
+              </a:rPr>
               <a:t>Dfd</a:t>
             </a:r>
             <a:endParaRPr lang="en-IN" dirty="0"/>
-          </a:p>
-        </p:txBody>
-      </p:sp>
-      <p:sp>
-        <p:nvSpPr>
-          <p:cNvPr id="3" name="Content Placeholder 2">
-            <a:extLst>
-              <a:ext uri="{FF2B5EF4-FFF2-40B4-BE49-F238E27FC236}">
-                <a16:creationId xmlns:a16="http://schemas.microsoft.com/office/drawing/2014/main" id="{A0F7B400-DC3A-C671-E22D-508D58361D2A}"/>
-              </a:ext>
-            </a:extLst>
-          </p:cNvPr>
-          <p:cNvSpPr>
-            <a:spLocks noGrp="1"/>
-          </p:cNvSpPr>
-          <p:nvPr>
-            <p:ph idx="1"/>
-          </p:nvPr>
-        </p:nvSpPr>
-        <p:spPr/>
-        <p:txBody>
-          <a:bodyPr/>
-          <a:lstStyle/>
-          <a:p>
-            <a:r>
-              <a:rPr lang="en-IN" dirty="0"/>
-              <a:t>Sorry Still working on it </a:t>
-            </a:r>
-          </a:p>
-          <a:p>
-            <a:endParaRPr lang="en-IN" dirty="0"/>
-          </a:p>
-          <a:p>
-            <a:endParaRPr lang="en-IN" dirty="0"/>
-          </a:p>
-          <a:p>
-            <a:r>
-              <a:rPr lang="en-IN" dirty="0"/>
-              <a:t>I mean the data is flowing right ? Otherwise how could it work. But the flow hasn’t been captured yet to draw a diagram </a:t>
-            </a:r>
           </a:p>
         </p:txBody>
       </p:sp>
@@ -16053,162 +16278,10 @@
   <p:clrMapOvr>
     <a:masterClrMapping/>
   </p:clrMapOvr>
-  <p:timing>
-    <p:tnLst>
-      <p:par>
-        <p:cTn id="1" dur="indefinite" restart="never" nodeType="tmRoot">
-          <p:childTnLst>
-            <p:seq concurrent="1" nextAc="seek">
-              <p:cTn id="2" dur="indefinite" nodeType="mainSeq">
-                <p:childTnLst>
-                  <p:par>
-                    <p:cTn id="3" fill="hold">
-                      <p:stCondLst>
-                        <p:cond delay="indefinite"/>
-                      </p:stCondLst>
-                      <p:childTnLst>
-                        <p:par>
-                          <p:cTn id="4" fill="hold">
-                            <p:stCondLst>
-                              <p:cond delay="0"/>
-                            </p:stCondLst>
-                            <p:childTnLst>
-                              <p:par>
-                                <p:cTn id="5" presetID="16" presetClass="entr" presetSubtype="21" fill="hold" nodeType="clickEffect">
-                                  <p:stCondLst>
-                                    <p:cond delay="0"/>
-                                  </p:stCondLst>
-                                  <p:childTnLst>
-                                    <p:set>
-                                      <p:cBhvr>
-                                        <p:cTn id="6" dur="1" fill="hold">
-                                          <p:stCondLst>
-                                            <p:cond delay="0"/>
-                                          </p:stCondLst>
-                                        </p:cTn>
-                                        <p:tgtEl>
-                                          <p:spTgt spid="3">
-                                            <p:txEl>
-                                              <p:pRg st="0" end="0"/>
-                                            </p:txEl>
-                                          </p:spTgt>
-                                        </p:tgtEl>
-                                        <p:attrNameLst>
-                                          <p:attrName>style.visibility</p:attrName>
-                                        </p:attrNameLst>
-                                      </p:cBhvr>
-                                      <p:to>
-                                        <p:strVal val="visible"/>
-                                      </p:to>
-                                    </p:set>
-                                    <p:animEffect transition="in" filter="barn(inVertical)">
-                                      <p:cBhvr>
-                                        <p:cTn id="7" dur="1000"/>
-                                        <p:tgtEl>
-                                          <p:spTgt spid="3">
-                                            <p:txEl>
-                                              <p:pRg st="0" end="0"/>
-                                            </p:txEl>
-                                          </p:spTgt>
-                                        </p:tgtEl>
-                                      </p:cBhvr>
-                                    </p:animEffect>
-                                  </p:childTnLst>
-                                </p:cTn>
-                              </p:par>
-                            </p:childTnLst>
-                          </p:cTn>
-                        </p:par>
-                      </p:childTnLst>
-                    </p:cTn>
-                  </p:par>
-                  <p:par>
-                    <p:cTn id="8" fill="hold">
-                      <p:stCondLst>
-                        <p:cond delay="indefinite"/>
-                      </p:stCondLst>
-                      <p:childTnLst>
-                        <p:par>
-                          <p:cTn id="9" fill="hold">
-                            <p:stCondLst>
-                              <p:cond delay="0"/>
-                            </p:stCondLst>
-                            <p:childTnLst>
-                              <p:par>
-                                <p:cTn id="10" presetID="10" presetClass="entr" presetSubtype="0" fill="hold" nodeType="clickEffect">
-                                  <p:stCondLst>
-                                    <p:cond delay="0"/>
-                                  </p:stCondLst>
-                                  <p:childTnLst>
-                                    <p:set>
-                                      <p:cBhvr>
-                                        <p:cTn id="11" dur="1" fill="hold">
-                                          <p:stCondLst>
-                                            <p:cond delay="0"/>
-                                          </p:stCondLst>
-                                        </p:cTn>
-                                        <p:tgtEl>
-                                          <p:spTgt spid="3">
-                                            <p:txEl>
-                                              <p:pRg st="3" end="3"/>
-                                            </p:txEl>
-                                          </p:spTgt>
-                                        </p:tgtEl>
-                                        <p:attrNameLst>
-                                          <p:attrName>style.visibility</p:attrName>
-                                        </p:attrNameLst>
-                                      </p:cBhvr>
-                                      <p:to>
-                                        <p:strVal val="visible"/>
-                                      </p:to>
-                                    </p:set>
-                                    <p:animEffect transition="in" filter="fade">
-                                      <p:cBhvr>
-                                        <p:cTn id="12" dur="2000"/>
-                                        <p:tgtEl>
-                                          <p:spTgt spid="3">
-                                            <p:txEl>
-                                              <p:pRg st="3" end="3"/>
-                                            </p:txEl>
-                                          </p:spTgt>
-                                        </p:tgtEl>
-                                      </p:cBhvr>
-                                    </p:animEffect>
-                                  </p:childTnLst>
-                                </p:cTn>
-                              </p:par>
-                            </p:childTnLst>
-                          </p:cTn>
-                        </p:par>
-                      </p:childTnLst>
-                    </p:cTn>
-                  </p:par>
-                </p:childTnLst>
-              </p:cTn>
-              <p:prevCondLst>
-                <p:cond evt="onPrev" delay="0">
-                  <p:tgtEl>
-                    <p:sldTgt/>
-                  </p:tgtEl>
-                </p:cond>
-              </p:prevCondLst>
-              <p:nextCondLst>
-                <p:cond evt="onNext" delay="0">
-                  <p:tgtEl>
-                    <p:sldTgt/>
-                  </p:tgtEl>
-                </p:cond>
-              </p:nextCondLst>
-            </p:seq>
-          </p:childTnLst>
-        </p:cTn>
-      </p:par>
-    </p:tnLst>
-  </p:timing>
 </p:sld>
 </file>
 
-<file path=ppt/slides/slide8.xml><?xml version="1.0" encoding="utf-8"?>
+<file path=ppt/slides/slide9.xml><?xml version="1.0" encoding="utf-8"?>
 <p:sld xmlns:a="http://schemas.openxmlformats.org/drawingml/2006/main" xmlns:r="http://schemas.openxmlformats.org/officeDocument/2006/relationships" xmlns:p="http://schemas.openxmlformats.org/presentationml/2006/main">
   <p:cSld>
     <p:spTree>
@@ -17088,171 +17161,6 @@
 </p:sld>
 </file>
 
-<file path=ppt/slides/slide9.xml><?xml version="1.0" encoding="utf-8"?>
-<p:sld xmlns:a="http://schemas.openxmlformats.org/drawingml/2006/main" xmlns:r="http://schemas.openxmlformats.org/officeDocument/2006/relationships" xmlns:p="http://schemas.openxmlformats.org/presentationml/2006/main">
-  <p:cSld>
-    <p:spTree>
-      <p:nvGrpSpPr>
-        <p:cNvPr id="1" name=""/>
-        <p:cNvGrpSpPr/>
-        <p:nvPr/>
-      </p:nvGrpSpPr>
-      <p:grpSpPr>
-        <a:xfrm>
-          <a:off x="0" y="0"/>
-          <a:ext cx="0" cy="0"/>
-          <a:chOff x="0" y="0"/>
-          <a:chExt cx="0" cy="0"/>
-        </a:xfrm>
-      </p:grpSpPr>
-      <p:sp>
-        <p:nvSpPr>
-          <p:cNvPr id="2" name="Title 1">
-            <a:extLst>
-              <a:ext uri="{FF2B5EF4-FFF2-40B4-BE49-F238E27FC236}">
-                <a16:creationId xmlns:a16="http://schemas.microsoft.com/office/drawing/2014/main" id="{02096BD2-0F87-3D08-989A-311DF39208DE}"/>
-              </a:ext>
-            </a:extLst>
-          </p:cNvPr>
-          <p:cNvSpPr>
-            <a:spLocks noGrp="1"/>
-          </p:cNvSpPr>
-          <p:nvPr>
-            <p:ph type="title"/>
-          </p:nvPr>
-        </p:nvSpPr>
-        <p:spPr>
-          <a:xfrm>
-            <a:off x="1032355" y="2623487"/>
-            <a:ext cx="9905998" cy="1478570"/>
-          </a:xfrm>
-          <a:ln>
-            <a:noFill/>
-          </a:ln>
-        </p:spPr>
-        <p:txBody>
-          <a:bodyPr/>
-          <a:lstStyle/>
-          <a:p>
-            <a:pPr algn="ctr"/>
-            <a:r>
-              <a:rPr lang="en-IN" sz="4800" dirty="0">
-                <a:hlinkClick r:id="rId2" action="ppaction://hlinkpres?slideindex=1&amp;slidetitle=">
-                  <a:extLst>
-                    <a:ext uri="{A12FA001-AC4F-418D-AE19-62706E023703}">
-                      <ahyp:hlinkClr xmlns:ahyp="http://schemas.microsoft.com/office/drawing/2018/hyperlinkcolor" val="tx"/>
-                    </a:ext>
-                  </a:extLst>
-                </a:hlinkClick>
-              </a:rPr>
-              <a:t>Snaps</a:t>
-            </a:r>
-            <a:r>
-              <a:rPr lang="en-IN" dirty="0"/>
-              <a:t> </a:t>
-            </a:r>
-          </a:p>
-        </p:txBody>
-      </p:sp>
-    </p:spTree>
-    <p:extLst>
-      <p:ext uri="{BB962C8B-B14F-4D97-AF65-F5344CB8AC3E}">
-        <p14:creationId xmlns:p14="http://schemas.microsoft.com/office/powerpoint/2010/main" val="2298038482"/>
-      </p:ext>
-    </p:extLst>
-  </p:cSld>
-  <p:clrMapOvr>
-    <a:masterClrMapping/>
-  </p:clrMapOvr>
-  <p:timing>
-    <p:tnLst>
-      <p:par>
-        <p:cTn id="1" dur="indefinite" restart="never" nodeType="tmRoot">
-          <p:childTnLst>
-            <p:seq concurrent="1" nextAc="seek">
-              <p:cTn id="2" dur="indefinite" nodeType="mainSeq">
-                <p:childTnLst>
-                  <p:par>
-                    <p:cTn id="3" fill="hold">
-                      <p:stCondLst>
-                        <p:cond delay="indefinite"/>
-                      </p:stCondLst>
-                      <p:childTnLst>
-                        <p:par>
-                          <p:cTn id="4" fill="hold">
-                            <p:stCondLst>
-                              <p:cond delay="0"/>
-                            </p:stCondLst>
-                            <p:childTnLst>
-                              <p:par>
-                                <p:cTn id="5" presetID="16" presetClass="entr" presetSubtype="37" fill="hold" grpId="0" nodeType="clickEffect">
-                                  <p:stCondLst>
-                                    <p:cond delay="0"/>
-                                  </p:stCondLst>
-                                  <p:childTnLst>
-                                    <p:set>
-                                      <p:cBhvr>
-                                        <p:cTn id="6" dur="1" fill="hold">
-                                          <p:stCondLst>
-                                            <p:cond delay="0"/>
-                                          </p:stCondLst>
-                                        </p:cTn>
-                                        <p:tgtEl>
-                                          <p:spTgt spid="2"/>
-                                        </p:tgtEl>
-                                        <p:attrNameLst>
-                                          <p:attrName>style.visibility</p:attrName>
-                                        </p:attrNameLst>
-                                      </p:cBhvr>
-                                      <p:to>
-                                        <p:strVal val="visible"/>
-                                      </p:to>
-                                    </p:set>
-                                    <p:animEffect transition="in" filter="barn(outVertical)">
-                                      <p:cBhvr>
-                                        <p:cTn id="7" dur="2000"/>
-                                        <p:tgtEl>
-                                          <p:spTgt spid="2"/>
-                                        </p:tgtEl>
-                                      </p:cBhvr>
-                                    </p:animEffect>
-                                  </p:childTnLst>
-                                </p:cTn>
-                              </p:par>
-                            </p:childTnLst>
-                          </p:cTn>
-                        </p:par>
-                      </p:childTnLst>
-                    </p:cTn>
-                  </p:par>
-                </p:childTnLst>
-              </p:cTn>
-              <p:prevCondLst>
-                <p:cond evt="onPrev" delay="0">
-                  <p:tgtEl>
-                    <p:sldTgt/>
-                  </p:tgtEl>
-                </p:cond>
-              </p:prevCondLst>
-              <p:nextCondLst>
-                <p:cond evt="onNext" delay="0">
-                  <p:tgtEl>
-                    <p:sldTgt/>
-                  </p:tgtEl>
-                </p:cond>
-              </p:nextCondLst>
-            </p:seq>
-          </p:childTnLst>
-        </p:cTn>
-      </p:par>
-    </p:tnLst>
-    <p:bldLst>
-      <p:bldP spid="2" grpId="0"/>
-    </p:bldLst>
-  </p:timing>
-</p:sld>
-</file>
-
 <file path=ppt/theme/theme1.xml><?xml version="1.0" encoding="utf-8"?>
 <a:theme xmlns:a="http://schemas.openxmlformats.org/drawingml/2006/main" name="Circuit">
   <a:themeElements>
